--- a/HighCondParamSearch/HighCondParamSearch_N5/NSG_Results/AllCBDRs_ISICV.pptx
+++ b/HighCondParamSearch/HighCondParamSearch_N5/NSG_Results/AllCBDRs_ISICV.pptx
@@ -10,14 +10,14 @@
   <p:sldIdLst>
     <p:sldId id="256" r:id="rId2"/>
   </p:sldIdLst>
-  <p:sldSz cx="28803600" cy="14401800"/>
+  <p:sldSz cx="29524325" cy="15124113"/>
   <p:notesSz cx="6858000" cy="9144000"/>
   <p:defaultTextStyle>
     <a:defPPr>
       <a:defRPr lang="en-US"/>
     </a:defPPr>
-    <a:lvl1pPr marL="0" algn="l" defTabSz="2468880" rtl="0" eaLnBrk="1" latinLnBrk="0" hangingPunct="1">
-      <a:defRPr sz="4900" kern="1200">
+    <a:lvl1pPr marL="0" algn="l" defTabSz="2550884" rtl="0" eaLnBrk="1" latinLnBrk="0" hangingPunct="1">
+      <a:defRPr sz="5062" kern="1200">
         <a:solidFill>
           <a:schemeClr val="tx1"/>
         </a:solidFill>
@@ -26,8 +26,8 @@
         <a:cs typeface="+mn-cs"/>
       </a:defRPr>
     </a:lvl1pPr>
-    <a:lvl2pPr marL="1234440" algn="l" defTabSz="2468880" rtl="0" eaLnBrk="1" latinLnBrk="0" hangingPunct="1">
-      <a:defRPr sz="4900" kern="1200">
+    <a:lvl2pPr marL="1275443" algn="l" defTabSz="2550884" rtl="0" eaLnBrk="1" latinLnBrk="0" hangingPunct="1">
+      <a:defRPr sz="5062" kern="1200">
         <a:solidFill>
           <a:schemeClr val="tx1"/>
         </a:solidFill>
@@ -36,8 +36,8 @@
         <a:cs typeface="+mn-cs"/>
       </a:defRPr>
     </a:lvl2pPr>
-    <a:lvl3pPr marL="2468880" algn="l" defTabSz="2468880" rtl="0" eaLnBrk="1" latinLnBrk="0" hangingPunct="1">
-      <a:defRPr sz="4900" kern="1200">
+    <a:lvl3pPr marL="2550884" algn="l" defTabSz="2550884" rtl="0" eaLnBrk="1" latinLnBrk="0" hangingPunct="1">
+      <a:defRPr sz="5062" kern="1200">
         <a:solidFill>
           <a:schemeClr val="tx1"/>
         </a:solidFill>
@@ -46,8 +46,8 @@
         <a:cs typeface="+mn-cs"/>
       </a:defRPr>
     </a:lvl3pPr>
-    <a:lvl4pPr marL="3703320" algn="l" defTabSz="2468880" rtl="0" eaLnBrk="1" latinLnBrk="0" hangingPunct="1">
-      <a:defRPr sz="4900" kern="1200">
+    <a:lvl4pPr marL="3826327" algn="l" defTabSz="2550884" rtl="0" eaLnBrk="1" latinLnBrk="0" hangingPunct="1">
+      <a:defRPr sz="5062" kern="1200">
         <a:solidFill>
           <a:schemeClr val="tx1"/>
         </a:solidFill>
@@ -56,8 +56,8 @@
         <a:cs typeface="+mn-cs"/>
       </a:defRPr>
     </a:lvl4pPr>
-    <a:lvl5pPr marL="4937760" algn="l" defTabSz="2468880" rtl="0" eaLnBrk="1" latinLnBrk="0" hangingPunct="1">
-      <a:defRPr sz="4900" kern="1200">
+    <a:lvl5pPr marL="5101770" algn="l" defTabSz="2550884" rtl="0" eaLnBrk="1" latinLnBrk="0" hangingPunct="1">
+      <a:defRPr sz="5062" kern="1200">
         <a:solidFill>
           <a:schemeClr val="tx1"/>
         </a:solidFill>
@@ -66,8 +66,8 @@
         <a:cs typeface="+mn-cs"/>
       </a:defRPr>
     </a:lvl5pPr>
-    <a:lvl6pPr marL="6172200" algn="l" defTabSz="2468880" rtl="0" eaLnBrk="1" latinLnBrk="0" hangingPunct="1">
-      <a:defRPr sz="4900" kern="1200">
+    <a:lvl6pPr marL="6377213" algn="l" defTabSz="2550884" rtl="0" eaLnBrk="1" latinLnBrk="0" hangingPunct="1">
+      <a:defRPr sz="5062" kern="1200">
         <a:solidFill>
           <a:schemeClr val="tx1"/>
         </a:solidFill>
@@ -76,8 +76,8 @@
         <a:cs typeface="+mn-cs"/>
       </a:defRPr>
     </a:lvl6pPr>
-    <a:lvl7pPr marL="7406640" algn="l" defTabSz="2468880" rtl="0" eaLnBrk="1" latinLnBrk="0" hangingPunct="1">
-      <a:defRPr sz="4900" kern="1200">
+    <a:lvl7pPr marL="7652654" algn="l" defTabSz="2550884" rtl="0" eaLnBrk="1" latinLnBrk="0" hangingPunct="1">
+      <a:defRPr sz="5062" kern="1200">
         <a:solidFill>
           <a:schemeClr val="tx1"/>
         </a:solidFill>
@@ -86,8 +86,8 @@
         <a:cs typeface="+mn-cs"/>
       </a:defRPr>
     </a:lvl7pPr>
-    <a:lvl8pPr marL="8641080" algn="l" defTabSz="2468880" rtl="0" eaLnBrk="1" latinLnBrk="0" hangingPunct="1">
-      <a:defRPr sz="4900" kern="1200">
+    <a:lvl8pPr marL="8928097" algn="l" defTabSz="2550884" rtl="0" eaLnBrk="1" latinLnBrk="0" hangingPunct="1">
+      <a:defRPr sz="5062" kern="1200">
         <a:solidFill>
           <a:schemeClr val="tx1"/>
         </a:solidFill>
@@ -96,8 +96,8 @@
         <a:cs typeface="+mn-cs"/>
       </a:defRPr>
     </a:lvl8pPr>
-    <a:lvl9pPr marL="9875520" algn="l" defTabSz="2468880" rtl="0" eaLnBrk="1" latinLnBrk="0" hangingPunct="1">
-      <a:defRPr sz="4900" kern="1200">
+    <a:lvl9pPr marL="10203540" algn="l" defTabSz="2550884" rtl="0" eaLnBrk="1" latinLnBrk="0" hangingPunct="1">
+      <a:defRPr sz="5062" kern="1200">
         <a:solidFill>
           <a:schemeClr val="tx1"/>
         </a:solidFill>
@@ -107,6 +107,22 @@
       </a:defRPr>
     </a:lvl9pPr>
   </p:defaultTextStyle>
+  <p:extLst>
+    <p:ext uri="{EFAFB233-063F-42B5-8137-9DF3F51BA10A}">
+      <p15:sldGuideLst xmlns:p15="http://schemas.microsoft.com/office/powerpoint/2012/main">
+        <p15:guide id="1" orient="horz" pos="4764" userDrawn="1">
+          <p15:clr>
+            <a:srgbClr val="A4A3A4"/>
+          </p15:clr>
+        </p15:guide>
+        <p15:guide id="2" pos="9299" userDrawn="1">
+          <p15:clr>
+            <a:srgbClr val="A4A3A4"/>
+          </p15:clr>
+        </p15:guide>
+      </p15:sldGuideLst>
+    </p:ext>
+  </p:extLst>
 </p:presentation>
 </file>
 
@@ -192,7 +208,7 @@
           <a:p>
             <a:fld id="{767DAEA1-967D-4ACD-89D4-B5AB51550092}" type="datetimeFigureOut">
               <a:rPr lang="en-US" smtClean="0"/>
-              <a:t>10/19/2017</a:t>
+              <a:t>1/21/18</a:t>
             </a:fld>
             <a:endParaRPr lang="en-US"/>
           </a:p>
@@ -210,8 +226,8 @@
         </p:nvSpPr>
         <p:spPr>
           <a:xfrm>
-            <a:off x="0" y="685800"/>
-            <a:ext cx="6858000" cy="3429000"/>
+            <a:off x="82550" y="685800"/>
+            <a:ext cx="6692900" cy="3429000"/>
           </a:xfrm>
           <a:prstGeom prst="rect">
             <a:avLst/>
@@ -366,8 +382,8 @@
   </p:cSld>
   <p:clrMap bg1="lt1" tx1="dk1" bg2="lt2" tx2="dk2" accent1="accent1" accent2="accent2" accent3="accent3" accent4="accent4" accent5="accent5" accent6="accent6" hlink="hlink" folHlink="folHlink"/>
   <p:notesStyle>
-    <a:lvl1pPr marL="0" algn="l" defTabSz="2468880" rtl="0" eaLnBrk="1" latinLnBrk="0" hangingPunct="1">
-      <a:defRPr sz="3200" kern="1200">
+    <a:lvl1pPr marL="0" algn="l" defTabSz="2550884" rtl="0" eaLnBrk="1" latinLnBrk="0" hangingPunct="1">
+      <a:defRPr sz="3306" kern="1200">
         <a:solidFill>
           <a:schemeClr val="tx1"/>
         </a:solidFill>
@@ -376,8 +392,8 @@
         <a:cs typeface="+mn-cs"/>
       </a:defRPr>
     </a:lvl1pPr>
-    <a:lvl2pPr marL="1234440" algn="l" defTabSz="2468880" rtl="0" eaLnBrk="1" latinLnBrk="0" hangingPunct="1">
-      <a:defRPr sz="3200" kern="1200">
+    <a:lvl2pPr marL="1275443" algn="l" defTabSz="2550884" rtl="0" eaLnBrk="1" latinLnBrk="0" hangingPunct="1">
+      <a:defRPr sz="3306" kern="1200">
         <a:solidFill>
           <a:schemeClr val="tx1"/>
         </a:solidFill>
@@ -386,8 +402,8 @@
         <a:cs typeface="+mn-cs"/>
       </a:defRPr>
     </a:lvl2pPr>
-    <a:lvl3pPr marL="2468880" algn="l" defTabSz="2468880" rtl="0" eaLnBrk="1" latinLnBrk="0" hangingPunct="1">
-      <a:defRPr sz="3200" kern="1200">
+    <a:lvl3pPr marL="2550884" algn="l" defTabSz="2550884" rtl="0" eaLnBrk="1" latinLnBrk="0" hangingPunct="1">
+      <a:defRPr sz="3306" kern="1200">
         <a:solidFill>
           <a:schemeClr val="tx1"/>
         </a:solidFill>
@@ -396,8 +412,8 @@
         <a:cs typeface="+mn-cs"/>
       </a:defRPr>
     </a:lvl3pPr>
-    <a:lvl4pPr marL="3703320" algn="l" defTabSz="2468880" rtl="0" eaLnBrk="1" latinLnBrk="0" hangingPunct="1">
-      <a:defRPr sz="3200" kern="1200">
+    <a:lvl4pPr marL="3826327" algn="l" defTabSz="2550884" rtl="0" eaLnBrk="1" latinLnBrk="0" hangingPunct="1">
+      <a:defRPr sz="3306" kern="1200">
         <a:solidFill>
           <a:schemeClr val="tx1"/>
         </a:solidFill>
@@ -406,8 +422,8 @@
         <a:cs typeface="+mn-cs"/>
       </a:defRPr>
     </a:lvl4pPr>
-    <a:lvl5pPr marL="4937760" algn="l" defTabSz="2468880" rtl="0" eaLnBrk="1" latinLnBrk="0" hangingPunct="1">
-      <a:defRPr sz="3200" kern="1200">
+    <a:lvl5pPr marL="5101770" algn="l" defTabSz="2550884" rtl="0" eaLnBrk="1" latinLnBrk="0" hangingPunct="1">
+      <a:defRPr sz="3306" kern="1200">
         <a:solidFill>
           <a:schemeClr val="tx1"/>
         </a:solidFill>
@@ -416,8 +432,8 @@
         <a:cs typeface="+mn-cs"/>
       </a:defRPr>
     </a:lvl5pPr>
-    <a:lvl6pPr marL="6172200" algn="l" defTabSz="2468880" rtl="0" eaLnBrk="1" latinLnBrk="0" hangingPunct="1">
-      <a:defRPr sz="3200" kern="1200">
+    <a:lvl6pPr marL="6377213" algn="l" defTabSz="2550884" rtl="0" eaLnBrk="1" latinLnBrk="0" hangingPunct="1">
+      <a:defRPr sz="3306" kern="1200">
         <a:solidFill>
           <a:schemeClr val="tx1"/>
         </a:solidFill>
@@ -426,8 +442,8 @@
         <a:cs typeface="+mn-cs"/>
       </a:defRPr>
     </a:lvl6pPr>
-    <a:lvl7pPr marL="7406640" algn="l" defTabSz="2468880" rtl="0" eaLnBrk="1" latinLnBrk="0" hangingPunct="1">
-      <a:defRPr sz="3200" kern="1200">
+    <a:lvl7pPr marL="7652654" algn="l" defTabSz="2550884" rtl="0" eaLnBrk="1" latinLnBrk="0" hangingPunct="1">
+      <a:defRPr sz="3306" kern="1200">
         <a:solidFill>
           <a:schemeClr val="tx1"/>
         </a:solidFill>
@@ -436,8 +452,8 @@
         <a:cs typeface="+mn-cs"/>
       </a:defRPr>
     </a:lvl7pPr>
-    <a:lvl8pPr marL="8641080" algn="l" defTabSz="2468880" rtl="0" eaLnBrk="1" latinLnBrk="0" hangingPunct="1">
-      <a:defRPr sz="3200" kern="1200">
+    <a:lvl8pPr marL="8928097" algn="l" defTabSz="2550884" rtl="0" eaLnBrk="1" latinLnBrk="0" hangingPunct="1">
+      <a:defRPr sz="3306" kern="1200">
         <a:solidFill>
           <a:schemeClr val="tx1"/>
         </a:solidFill>
@@ -446,8 +462,8 @@
         <a:cs typeface="+mn-cs"/>
       </a:defRPr>
     </a:lvl8pPr>
-    <a:lvl9pPr marL="9875520" algn="l" defTabSz="2468880" rtl="0" eaLnBrk="1" latinLnBrk="0" hangingPunct="1">
-      <a:defRPr sz="3200" kern="1200">
+    <a:lvl9pPr marL="10203540" algn="l" defTabSz="2550884" rtl="0" eaLnBrk="1" latinLnBrk="0" hangingPunct="1">
+      <a:defRPr sz="3306" kern="1200">
         <a:solidFill>
           <a:schemeClr val="tx1"/>
         </a:solidFill>
@@ -487,7 +503,12 @@
             <p:ph type="sldImg"/>
           </p:nvPr>
         </p:nvSpPr>
-        <p:spPr/>
+        <p:spPr>
+          <a:xfrm>
+            <a:off x="82550" y="685800"/>
+            <a:ext cx="6692900" cy="3429000"/>
+          </a:xfrm>
+        </p:spPr>
       </p:sp>
       <p:sp>
         <p:nvSpPr>
@@ -573,8 +594,8 @@
         </p:nvSpPr>
         <p:spPr>
           <a:xfrm>
-            <a:off x="2160270" y="4473893"/>
-            <a:ext cx="24483060" cy="3087053"/>
+            <a:off x="2214324" y="4698279"/>
+            <a:ext cx="25095677" cy="3241883"/>
           </a:xfrm>
         </p:spPr>
         <p:txBody>
@@ -601,8 +622,8 @@
         </p:nvSpPr>
         <p:spPr>
           <a:xfrm>
-            <a:off x="4320540" y="8161020"/>
-            <a:ext cx="20162520" cy="3680460"/>
+            <a:off x="4428649" y="8570330"/>
+            <a:ext cx="20667027" cy="3865052"/>
           </a:xfrm>
         </p:spPr>
         <p:txBody>
@@ -725,7 +746,7 @@
           <a:p>
             <a:fld id="{07CFCC3F-9C50-4357-A512-F047B52B42A6}" type="datetimeFigureOut">
               <a:rPr lang="en-US" smtClean="0"/>
-              <a:t>10/19/2017</a:t>
+              <a:t>1/21/18</a:t>
             </a:fld>
             <a:endParaRPr lang="en-US"/>
           </a:p>
@@ -895,7 +916,7 @@
           <a:p>
             <a:fld id="{07CFCC3F-9C50-4357-A512-F047B52B42A6}" type="datetimeFigureOut">
               <a:rPr lang="en-US" smtClean="0"/>
-              <a:t>10/19/2017</a:t>
+              <a:t>1/21/18</a:t>
             </a:fld>
             <a:endParaRPr lang="en-US"/>
           </a:p>
@@ -985,8 +1006,8 @@
         </p:nvSpPr>
         <p:spPr>
           <a:xfrm>
-            <a:off x="65783225" y="1210153"/>
-            <a:ext cx="20412551" cy="25806558"/>
+            <a:off x="67429257" y="1270847"/>
+            <a:ext cx="20923315" cy="27100870"/>
           </a:xfrm>
         </p:spPr>
         <p:txBody>
@@ -1013,8 +1034,8 @@
         </p:nvSpPr>
         <p:spPr>
           <a:xfrm>
-            <a:off x="4535568" y="1210153"/>
-            <a:ext cx="60767595" cy="25806558"/>
+            <a:off x="4649057" y="1270847"/>
+            <a:ext cx="62288125" cy="27100870"/>
           </a:xfrm>
         </p:spPr>
         <p:txBody>
@@ -1075,7 +1096,7 @@
           <a:p>
             <a:fld id="{07CFCC3F-9C50-4357-A512-F047B52B42A6}" type="datetimeFigureOut">
               <a:rPr lang="en-US" smtClean="0"/>
-              <a:t>10/19/2017</a:t>
+              <a:t>1/21/18</a:t>
             </a:fld>
             <a:endParaRPr lang="en-US"/>
           </a:p>
@@ -1245,7 +1266,7 @@
           <a:p>
             <a:fld id="{07CFCC3F-9C50-4357-A512-F047B52B42A6}" type="datetimeFigureOut">
               <a:rPr lang="en-US" smtClean="0"/>
-              <a:t>10/19/2017</a:t>
+              <a:t>1/21/18</a:t>
             </a:fld>
             <a:endParaRPr lang="en-US"/>
           </a:p>
@@ -1335,8 +1356,8 @@
         </p:nvSpPr>
         <p:spPr>
           <a:xfrm>
-            <a:off x="2275286" y="9254491"/>
-            <a:ext cx="24483060" cy="2860358"/>
+            <a:off x="2332218" y="9718644"/>
+            <a:ext cx="25095677" cy="3003817"/>
           </a:xfrm>
         </p:spPr>
         <p:txBody>
@@ -1367,8 +1388,8 @@
         </p:nvSpPr>
         <p:spPr>
           <a:xfrm>
-            <a:off x="2275286" y="6104098"/>
-            <a:ext cx="24483060" cy="3150393"/>
+            <a:off x="2332218" y="6410246"/>
+            <a:ext cx="25095677" cy="3308399"/>
           </a:xfrm>
         </p:spPr>
         <p:txBody>
@@ -1491,7 +1512,7 @@
           <a:p>
             <a:fld id="{07CFCC3F-9C50-4357-A512-F047B52B42A6}" type="datetimeFigureOut">
               <a:rPr lang="en-US" smtClean="0"/>
-              <a:t>10/19/2017</a:t>
+              <a:t>1/21/18</a:t>
             </a:fld>
             <a:endParaRPr lang="en-US"/>
           </a:p>
@@ -1604,8 +1625,8 @@
         </p:nvSpPr>
         <p:spPr>
           <a:xfrm>
-            <a:off x="4535570" y="7057550"/>
-            <a:ext cx="40590072" cy="19959160"/>
+            <a:off x="4649060" y="7411516"/>
+            <a:ext cx="41605719" cy="20960199"/>
           </a:xfrm>
         </p:spPr>
         <p:txBody>
@@ -1689,8 +1710,8 @@
         </p:nvSpPr>
         <p:spPr>
           <a:xfrm>
-            <a:off x="45605700" y="7057550"/>
-            <a:ext cx="40590075" cy="19959160"/>
+            <a:off x="46746849" y="7411516"/>
+            <a:ext cx="41605722" cy="20960199"/>
           </a:xfrm>
         </p:spPr>
         <p:txBody>
@@ -1779,7 +1800,7 @@
           <a:p>
             <a:fld id="{07CFCC3F-9C50-4357-A512-F047B52B42A6}" type="datetimeFigureOut">
               <a:rPr lang="en-US" smtClean="0"/>
-              <a:t>10/19/2017</a:t>
+              <a:t>1/21/18</a:t>
             </a:fld>
             <a:endParaRPr lang="en-US"/>
           </a:p>
@@ -1869,8 +1890,8 @@
         </p:nvSpPr>
         <p:spPr>
           <a:xfrm>
-            <a:off x="1440180" y="576740"/>
-            <a:ext cx="25923240" cy="2400300"/>
+            <a:off x="1476216" y="605666"/>
+            <a:ext cx="26571893" cy="2520686"/>
           </a:xfrm>
         </p:spPr>
         <p:txBody>
@@ -1901,8 +1922,8 @@
         </p:nvSpPr>
         <p:spPr>
           <a:xfrm>
-            <a:off x="1440180" y="3223737"/>
-            <a:ext cx="12726592" cy="1343500"/>
+            <a:off x="1476216" y="3385421"/>
+            <a:ext cx="13045038" cy="1410882"/>
           </a:xfrm>
         </p:spPr>
         <p:txBody>
@@ -1966,8 +1987,8 @@
         </p:nvSpPr>
         <p:spPr>
           <a:xfrm>
-            <a:off x="1440180" y="4567237"/>
-            <a:ext cx="12726592" cy="8297705"/>
+            <a:off x="1476216" y="4796305"/>
+            <a:ext cx="13045038" cy="8713871"/>
           </a:xfrm>
         </p:spPr>
         <p:txBody>
@@ -2051,8 +2072,8 @@
         </p:nvSpPr>
         <p:spPr>
           <a:xfrm>
-            <a:off x="14631830" y="3223737"/>
-            <a:ext cx="12731591" cy="1343500"/>
+            <a:off x="14997949" y="3385421"/>
+            <a:ext cx="13050161" cy="1410882"/>
           </a:xfrm>
         </p:spPr>
         <p:txBody>
@@ -2116,8 +2137,8 @@
         </p:nvSpPr>
         <p:spPr>
           <a:xfrm>
-            <a:off x="14631830" y="4567237"/>
-            <a:ext cx="12731591" cy="8297705"/>
+            <a:off x="14997949" y="4796305"/>
+            <a:ext cx="13050161" cy="8713871"/>
           </a:xfrm>
         </p:spPr>
         <p:txBody>
@@ -2206,7 +2227,7 @@
           <a:p>
             <a:fld id="{07CFCC3F-9C50-4357-A512-F047B52B42A6}" type="datetimeFigureOut">
               <a:rPr lang="en-US" smtClean="0"/>
-              <a:t>10/19/2017</a:t>
+              <a:t>1/21/18</a:t>
             </a:fld>
             <a:endParaRPr lang="en-US"/>
           </a:p>
@@ -2324,7 +2345,7 @@
           <a:p>
             <a:fld id="{07CFCC3F-9C50-4357-A512-F047B52B42A6}" type="datetimeFigureOut">
               <a:rPr lang="en-US" smtClean="0"/>
-              <a:t>10/19/2017</a:t>
+              <a:t>1/21/18</a:t>
             </a:fld>
             <a:endParaRPr lang="en-US"/>
           </a:p>
@@ -2419,7 +2440,7 @@
           <a:p>
             <a:fld id="{07CFCC3F-9C50-4357-A512-F047B52B42A6}" type="datetimeFigureOut">
               <a:rPr lang="en-US" smtClean="0"/>
-              <a:t>10/19/2017</a:t>
+              <a:t>1/21/18</a:t>
             </a:fld>
             <a:endParaRPr lang="en-US"/>
           </a:p>
@@ -2509,8 +2530,8 @@
         </p:nvSpPr>
         <p:spPr>
           <a:xfrm>
-            <a:off x="1440182" y="573405"/>
-            <a:ext cx="9476186" cy="2440305"/>
+            <a:off x="1476218" y="602164"/>
+            <a:ext cx="9713300" cy="2562697"/>
           </a:xfrm>
         </p:spPr>
         <p:txBody>
@@ -2541,8 +2562,8 @@
         </p:nvSpPr>
         <p:spPr>
           <a:xfrm>
-            <a:off x="11261407" y="573406"/>
-            <a:ext cx="16102013" cy="12291537"/>
+            <a:off x="11543191" y="602166"/>
+            <a:ext cx="16504918" cy="12908011"/>
           </a:xfrm>
         </p:spPr>
         <p:txBody>
@@ -2626,8 +2647,8 @@
         </p:nvSpPr>
         <p:spPr>
           <a:xfrm>
-            <a:off x="1440182" y="3013711"/>
-            <a:ext cx="9476186" cy="9851232"/>
+            <a:off x="1476218" y="3164862"/>
+            <a:ext cx="9713300" cy="10345314"/>
           </a:xfrm>
         </p:spPr>
         <p:txBody>
@@ -2696,7 +2717,7 @@
           <a:p>
             <a:fld id="{07CFCC3F-9C50-4357-A512-F047B52B42A6}" type="datetimeFigureOut">
               <a:rPr lang="en-US" smtClean="0"/>
-              <a:t>10/19/2017</a:t>
+              <a:t>1/21/18</a:t>
             </a:fld>
             <a:endParaRPr lang="en-US"/>
           </a:p>
@@ -2786,8 +2807,8 @@
         </p:nvSpPr>
         <p:spPr>
           <a:xfrm>
-            <a:off x="5645707" y="10081260"/>
-            <a:ext cx="17282160" cy="1190150"/>
+            <a:off x="5786974" y="10586879"/>
+            <a:ext cx="17714595" cy="1249841"/>
           </a:xfrm>
         </p:spPr>
         <p:txBody>
@@ -2818,8 +2839,8 @@
         </p:nvSpPr>
         <p:spPr>
           <a:xfrm>
-            <a:off x="5645707" y="1286828"/>
-            <a:ext cx="17282160" cy="8641080"/>
+            <a:off x="5786974" y="1351368"/>
+            <a:ext cx="17714595" cy="9074468"/>
           </a:xfrm>
         </p:spPr>
         <p:txBody>
@@ -2879,8 +2900,8 @@
         </p:nvSpPr>
         <p:spPr>
           <a:xfrm>
-            <a:off x="5645707" y="11271410"/>
-            <a:ext cx="17282160" cy="1690210"/>
+            <a:off x="5786974" y="11836721"/>
+            <a:ext cx="17714595" cy="1774981"/>
           </a:xfrm>
         </p:spPr>
         <p:txBody>
@@ -2949,7 +2970,7 @@
           <a:p>
             <a:fld id="{07CFCC3F-9C50-4357-A512-F047B52B42A6}" type="datetimeFigureOut">
               <a:rPr lang="en-US" smtClean="0"/>
-              <a:t>10/19/2017</a:t>
+              <a:t>1/21/18</a:t>
             </a:fld>
             <a:endParaRPr lang="en-US"/>
           </a:p>
@@ -3044,8 +3065,8 @@
         </p:nvSpPr>
         <p:spPr>
           <a:xfrm>
-            <a:off x="1440180" y="576740"/>
-            <a:ext cx="25923240" cy="2400300"/>
+            <a:off x="1476216" y="605666"/>
+            <a:ext cx="26571893" cy="2520686"/>
           </a:xfrm>
           <a:prstGeom prst="rect">
             <a:avLst/>
@@ -3077,8 +3098,8 @@
         </p:nvSpPr>
         <p:spPr>
           <a:xfrm>
-            <a:off x="1440180" y="3360421"/>
-            <a:ext cx="25923240" cy="9504522"/>
+            <a:off x="1476216" y="3528961"/>
+            <a:ext cx="26571893" cy="9981215"/>
           </a:xfrm>
           <a:prstGeom prst="rect">
             <a:avLst/>
@@ -3139,8 +3160,8 @@
         </p:nvSpPr>
         <p:spPr>
           <a:xfrm>
-            <a:off x="1440180" y="13348336"/>
-            <a:ext cx="6720840" cy="766763"/>
+            <a:off x="1476216" y="14017814"/>
+            <a:ext cx="6889009" cy="805220"/>
           </a:xfrm>
           <a:prstGeom prst="rect">
             <a:avLst/>
@@ -3162,7 +3183,7 @@
           <a:p>
             <a:fld id="{07CFCC3F-9C50-4357-A512-F047B52B42A6}" type="datetimeFigureOut">
               <a:rPr lang="en-US" smtClean="0"/>
-              <a:t>10/19/2017</a:t>
+              <a:t>1/21/18</a:t>
             </a:fld>
             <a:endParaRPr lang="en-US"/>
           </a:p>
@@ -3180,8 +3201,8 @@
         </p:nvSpPr>
         <p:spPr>
           <a:xfrm>
-            <a:off x="9841230" y="13348336"/>
-            <a:ext cx="9121140" cy="766763"/>
+            <a:off x="10087478" y="14017814"/>
+            <a:ext cx="9349370" cy="805220"/>
           </a:xfrm>
           <a:prstGeom prst="rect">
             <a:avLst/>
@@ -3217,8 +3238,8 @@
         </p:nvSpPr>
         <p:spPr>
           <a:xfrm>
-            <a:off x="20642580" y="13348336"/>
-            <a:ext cx="6720840" cy="766763"/>
+            <a:off x="21159100" y="14017814"/>
+            <a:ext cx="6889009" cy="805220"/>
           </a:xfrm>
           <a:prstGeom prst="rect">
             <a:avLst/>
@@ -3537,9 +3558,195 @@
           <a:chExt cx="0" cy="0"/>
         </a:xfrm>
       </p:grpSpPr>
+      <p:sp>
+        <p:nvSpPr>
+          <p:cNvPr id="44" name="TextBox 43"/>
+          <p:cNvSpPr txBox="1"/>
+          <p:nvPr/>
+        </p:nvSpPr>
+        <p:spPr>
+          <a:xfrm>
+            <a:off x="1306512" y="18256"/>
+            <a:ext cx="6240792" cy="1446550"/>
+          </a:xfrm>
+          <a:prstGeom prst="rect">
+            <a:avLst/>
+          </a:prstGeom>
+          <a:noFill/>
+        </p:spPr>
+        <p:txBody>
+          <a:bodyPr wrap="square" rtlCol="0">
+            <a:spAutoFit/>
+          </a:bodyPr>
+          <a:lstStyle/>
+          <a:p>
+            <a:pPr algn="ctr"/>
+            <a:r>
+              <a:rPr lang="en-US" sz="4400" b="1" dirty="0" smtClean="0"/>
+              <a:t>Independent Excitatory &amp; Independent Inhibitory</a:t>
+            </a:r>
+            <a:endParaRPr lang="en-US" sz="4400" b="1" dirty="0"/>
+          </a:p>
+        </p:txBody>
+      </p:sp>
+      <p:sp>
+        <p:nvSpPr>
+          <p:cNvPr id="45" name="TextBox 44"/>
+          <p:cNvSpPr txBox="1"/>
+          <p:nvPr/>
+        </p:nvSpPr>
+        <p:spPr>
+          <a:xfrm>
+            <a:off x="8125616" y="18256"/>
+            <a:ext cx="6240792" cy="1446550"/>
+          </a:xfrm>
+          <a:prstGeom prst="rect">
+            <a:avLst/>
+          </a:prstGeom>
+          <a:noFill/>
+        </p:spPr>
+        <p:txBody>
+          <a:bodyPr wrap="square" rtlCol="0">
+            <a:spAutoFit/>
+          </a:bodyPr>
+          <a:lstStyle/>
+          <a:p>
+            <a:pPr algn="ctr"/>
+            <a:r>
+              <a:rPr lang="en-US" sz="4400" b="1" dirty="0" smtClean="0"/>
+              <a:t>Independent Excitatory &amp; Common Inhibitory</a:t>
+            </a:r>
+            <a:endParaRPr lang="en-US" sz="4400" b="1" dirty="0"/>
+          </a:p>
+        </p:txBody>
+      </p:sp>
+      <p:sp>
+        <p:nvSpPr>
+          <p:cNvPr id="46" name="TextBox 45"/>
+          <p:cNvSpPr txBox="1"/>
+          <p:nvPr/>
+        </p:nvSpPr>
+        <p:spPr>
+          <a:xfrm>
+            <a:off x="14632369" y="18256"/>
+            <a:ext cx="6240792" cy="1446550"/>
+          </a:xfrm>
+          <a:prstGeom prst="rect">
+            <a:avLst/>
+          </a:prstGeom>
+          <a:noFill/>
+        </p:spPr>
+        <p:txBody>
+          <a:bodyPr wrap="square" rtlCol="0">
+            <a:spAutoFit/>
+          </a:bodyPr>
+          <a:lstStyle/>
+          <a:p>
+            <a:pPr algn="ctr"/>
+            <a:r>
+              <a:rPr lang="en-US" sz="4400" b="1" dirty="0" smtClean="0"/>
+              <a:t>Common Excitatory &amp; Independent Inhibitory</a:t>
+            </a:r>
+            <a:endParaRPr lang="en-US" sz="4400" b="1" dirty="0"/>
+          </a:p>
+        </p:txBody>
+      </p:sp>
+      <p:sp>
+        <p:nvSpPr>
+          <p:cNvPr id="47" name="TextBox 46"/>
+          <p:cNvSpPr txBox="1"/>
+          <p:nvPr/>
+        </p:nvSpPr>
+        <p:spPr>
+          <a:xfrm>
+            <a:off x="21139122" y="18256"/>
+            <a:ext cx="6240792" cy="1446550"/>
+          </a:xfrm>
+          <a:prstGeom prst="rect">
+            <a:avLst/>
+          </a:prstGeom>
+          <a:noFill/>
+        </p:spPr>
+        <p:txBody>
+          <a:bodyPr wrap="square" rtlCol="0">
+            <a:spAutoFit/>
+          </a:bodyPr>
+          <a:lstStyle/>
+          <a:p>
+            <a:pPr algn="ctr"/>
+            <a:r>
+              <a:rPr lang="en-US" sz="4400" b="1" dirty="0" smtClean="0"/>
+              <a:t>Common Excitatory &amp; Common Inhibitory</a:t>
+            </a:r>
+            <a:endParaRPr lang="en-US" sz="4400" b="1" dirty="0"/>
+          </a:p>
+        </p:txBody>
+      </p:sp>
+      <p:sp>
+        <p:nvSpPr>
+          <p:cNvPr id="48" name="TextBox 47"/>
+          <p:cNvSpPr txBox="1"/>
+          <p:nvPr/>
+        </p:nvSpPr>
+        <p:spPr>
+          <a:xfrm rot="16200000">
+            <a:off x="-2805012" y="3837268"/>
+            <a:ext cx="6240792" cy="769441"/>
+          </a:xfrm>
+          <a:prstGeom prst="rect">
+            <a:avLst/>
+          </a:prstGeom>
+          <a:noFill/>
+        </p:spPr>
+        <p:txBody>
+          <a:bodyPr wrap="square" rtlCol="0">
+            <a:spAutoFit/>
+          </a:bodyPr>
+          <a:lstStyle/>
+          <a:p>
+            <a:pPr algn="ctr"/>
+            <a:r>
+              <a:rPr lang="en-US" sz="4400" b="1" dirty="0" smtClean="0"/>
+              <a:t>SDprox1</a:t>
+            </a:r>
+            <a:endParaRPr lang="en-US" sz="4400" b="1" dirty="0"/>
+          </a:p>
+        </p:txBody>
+      </p:sp>
+      <p:sp>
+        <p:nvSpPr>
+          <p:cNvPr id="49" name="TextBox 48"/>
+          <p:cNvSpPr txBox="1"/>
+          <p:nvPr/>
+        </p:nvSpPr>
+        <p:spPr>
+          <a:xfrm rot="16200000">
+            <a:off x="-2805011" y="10901074"/>
+            <a:ext cx="6240792" cy="769441"/>
+          </a:xfrm>
+          <a:prstGeom prst="rect">
+            <a:avLst/>
+          </a:prstGeom>
+          <a:noFill/>
+        </p:spPr>
+        <p:txBody>
+          <a:bodyPr wrap="square" rtlCol="0">
+            <a:spAutoFit/>
+          </a:bodyPr>
+          <a:lstStyle/>
+          <a:p>
+            <a:pPr algn="ctr"/>
+            <a:r>
+              <a:rPr lang="en-US" sz="4400" b="1" dirty="0" smtClean="0"/>
+              <a:t>SDprox2</a:t>
+            </a:r>
+            <a:endParaRPr lang="en-US" sz="4400" b="1" dirty="0"/>
+          </a:p>
+        </p:txBody>
+      </p:sp>
       <p:pic>
         <p:nvPicPr>
-          <p:cNvPr id="18" name="Picture 17"/>
+          <p:cNvPr id="2" name="Picture 1"/>
           <p:cNvPicPr>
             <a:picLocks noChangeAspect="1"/>
           </p:cNvPicPr>
@@ -3559,8 +3766,8 @@
         </p:blipFill>
         <p:spPr>
           <a:xfrm>
-            <a:off x="573609" y="1483630"/>
-            <a:ext cx="7088588" cy="6250670"/>
+            <a:off x="19659599" y="7511319"/>
+            <a:ext cx="10065268" cy="7548951"/>
           </a:xfrm>
           <a:prstGeom prst="rect">
             <a:avLst/>
@@ -3569,7 +3776,7 @@
       </p:pic>
       <p:pic>
         <p:nvPicPr>
-          <p:cNvPr id="19" name="Picture 18"/>
+          <p:cNvPr id="4" name="Picture 3"/>
           <p:cNvPicPr>
             <a:picLocks noChangeAspect="1"/>
           </p:cNvPicPr>
@@ -3589,8 +3796,8 @@
         </p:blipFill>
         <p:spPr>
           <a:xfrm>
-            <a:off x="7657034" y="1483629"/>
-            <a:ext cx="7043148" cy="6250670"/>
+            <a:off x="13113264" y="7511319"/>
+            <a:ext cx="10058401" cy="7543801"/>
           </a:xfrm>
           <a:prstGeom prst="rect">
             <a:avLst/>
@@ -3599,7 +3806,7 @@
       </p:pic>
       <p:pic>
         <p:nvPicPr>
-          <p:cNvPr id="20" name="Picture 19"/>
+          <p:cNvPr id="5" name="Picture 4"/>
           <p:cNvPicPr>
             <a:picLocks noChangeAspect="1"/>
           </p:cNvPicPr>
@@ -3619,8 +3826,8 @@
         </p:blipFill>
         <p:spPr>
           <a:xfrm>
-            <a:off x="14644592" y="1483628"/>
-            <a:ext cx="7114913" cy="6250672"/>
+            <a:off x="6456362" y="7511319"/>
+            <a:ext cx="10058401" cy="7543801"/>
           </a:xfrm>
           <a:prstGeom prst="rect">
             <a:avLst/>
@@ -3629,7 +3836,7 @@
       </p:pic>
       <p:pic>
         <p:nvPicPr>
-          <p:cNvPr id="21" name="Picture 20"/>
+          <p:cNvPr id="6" name="Picture 5"/>
           <p:cNvPicPr>
             <a:picLocks noChangeAspect="1"/>
           </p:cNvPicPr>
@@ -3649,8 +3856,8 @@
         </p:blipFill>
         <p:spPr>
           <a:xfrm>
-            <a:off x="21685508" y="1482423"/>
-            <a:ext cx="7041892" cy="6251874"/>
+            <a:off x="-249238" y="7511319"/>
+            <a:ext cx="10058401" cy="7543801"/>
           </a:xfrm>
           <a:prstGeom prst="rect">
             <a:avLst/>
@@ -3659,7 +3866,7 @@
       </p:pic>
       <p:pic>
         <p:nvPicPr>
-          <p:cNvPr id="22" name="Picture 21"/>
+          <p:cNvPr id="7" name="Picture 6"/>
           <p:cNvPicPr>
             <a:picLocks noChangeAspect="1"/>
           </p:cNvPicPr>
@@ -3679,8 +3886,8 @@
         </p:blipFill>
         <p:spPr>
           <a:xfrm>
-            <a:off x="426925" y="7739450"/>
-            <a:ext cx="7082090" cy="6299593"/>
+            <a:off x="19659599" y="932656"/>
+            <a:ext cx="10065268" cy="7548951"/>
           </a:xfrm>
           <a:prstGeom prst="rect">
             <a:avLst/>
@@ -3689,7 +3896,7 @@
       </p:pic>
       <p:pic>
         <p:nvPicPr>
-          <p:cNvPr id="23" name="Picture 22"/>
+          <p:cNvPr id="8" name="Picture 7"/>
           <p:cNvPicPr>
             <a:picLocks noChangeAspect="1"/>
           </p:cNvPicPr>
@@ -3709,8 +3916,8 @@
         </p:blipFill>
         <p:spPr>
           <a:xfrm>
-            <a:off x="7509015" y="7739449"/>
-            <a:ext cx="7115021" cy="6294442"/>
+            <a:off x="13099530" y="927505"/>
+            <a:ext cx="10072135" cy="7554101"/>
           </a:xfrm>
           <a:prstGeom prst="rect">
             <a:avLst/>
@@ -3719,7 +3926,7 @@
       </p:pic>
       <p:pic>
         <p:nvPicPr>
-          <p:cNvPr id="24" name="Picture 23"/>
+          <p:cNvPr id="9" name="Picture 8"/>
           <p:cNvPicPr>
             <a:picLocks noChangeAspect="1"/>
           </p:cNvPicPr>
@@ -3739,8 +3946,8 @@
         </p:blipFill>
         <p:spPr>
           <a:xfrm>
-            <a:off x="14584890" y="7734297"/>
-            <a:ext cx="7173746" cy="6299594"/>
+            <a:off x="6446060" y="927505"/>
+            <a:ext cx="10079003" cy="7559252"/>
           </a:xfrm>
           <a:prstGeom prst="rect">
             <a:avLst/>
@@ -3749,7 +3956,7 @@
       </p:pic>
       <p:pic>
         <p:nvPicPr>
-          <p:cNvPr id="25" name="Picture 24"/>
+          <p:cNvPr id="10" name="Picture 9"/>
           <p:cNvPicPr>
             <a:picLocks noChangeAspect="1"/>
           </p:cNvPicPr>
@@ -3769,200 +3976,44 @@
         </p:blipFill>
         <p:spPr>
           <a:xfrm>
-            <a:off x="21666980" y="7739449"/>
-            <a:ext cx="7136620" cy="6297018"/>
+            <a:off x="-241363" y="927504"/>
+            <a:ext cx="10072135" cy="7554101"/>
           </a:xfrm>
           <a:prstGeom prst="rect">
             <a:avLst/>
           </a:prstGeom>
         </p:spPr>
       </p:pic>
-      <p:sp>
-        <p:nvSpPr>
-          <p:cNvPr id="8" name="TextBox 7"/>
-          <p:cNvSpPr txBox="1"/>
+      <p:pic>
+        <p:nvPicPr>
+          <p:cNvPr id="11" name="Picture 10"/>
+          <p:cNvPicPr>
+            <a:picLocks noChangeAspect="1"/>
+          </p:cNvPicPr>
           <p:nvPr/>
-        </p:nvSpPr>
+        </p:nvPicPr>
+        <p:blipFill>
+          <a:blip r:embed="rId11">
+            <a:extLst>
+              <a:ext uri="{28A0092B-C50C-407E-A947-70E740481C1C}">
+                <a14:useLocalDpi xmlns:a14="http://schemas.microsoft.com/office/drawing/2010/main" val="0"/>
+              </a:ext>
+            </a:extLst>
+          </a:blip>
+          <a:stretch>
+            <a:fillRect/>
+          </a:stretch>
+        </p:blipFill>
         <p:spPr>
           <a:xfrm>
-            <a:off x="945772" y="270406"/>
-            <a:ext cx="6240792" cy="1446550"/>
+            <a:off x="27716162" y="4056856"/>
+            <a:ext cx="1701800" cy="7670800"/>
           </a:xfrm>
           <a:prstGeom prst="rect">
             <a:avLst/>
           </a:prstGeom>
-          <a:noFill/>
         </p:spPr>
-        <p:txBody>
-          <a:bodyPr wrap="square" rtlCol="0">
-            <a:spAutoFit/>
-          </a:bodyPr>
-          <a:lstStyle/>
-          <a:p>
-            <a:pPr algn="ctr"/>
-            <a:r>
-              <a:rPr lang="en-US" sz="4400" b="1" dirty="0" smtClean="0"/>
-              <a:t>Independent Excitatory &amp; Independent Inhibitory</a:t>
-            </a:r>
-            <a:endParaRPr lang="en-US" sz="4400" b="1" dirty="0"/>
-          </a:p>
-        </p:txBody>
-      </p:sp>
-      <p:sp>
-        <p:nvSpPr>
-          <p:cNvPr id="9" name="TextBox 8"/>
-          <p:cNvSpPr txBox="1"/>
-          <p:nvPr/>
-        </p:nvSpPr>
-        <p:spPr>
-          <a:xfrm>
-            <a:off x="8005327" y="275557"/>
-            <a:ext cx="6240792" cy="1446550"/>
-          </a:xfrm>
-          <a:prstGeom prst="rect">
-            <a:avLst/>
-          </a:prstGeom>
-          <a:noFill/>
-        </p:spPr>
-        <p:txBody>
-          <a:bodyPr wrap="square" rtlCol="0">
-            <a:spAutoFit/>
-          </a:bodyPr>
-          <a:lstStyle/>
-          <a:p>
-            <a:pPr algn="ctr"/>
-            <a:r>
-              <a:rPr lang="en-US" sz="4400" b="1" dirty="0" smtClean="0"/>
-              <a:t>Independent Excitatory &amp; Common Inhibitory</a:t>
-            </a:r>
-            <a:endParaRPr lang="en-US" sz="4400" b="1" dirty="0"/>
-          </a:p>
-        </p:txBody>
-      </p:sp>
-      <p:sp>
-        <p:nvSpPr>
-          <p:cNvPr id="10" name="TextBox 9"/>
-          <p:cNvSpPr txBox="1"/>
-          <p:nvPr/>
-        </p:nvSpPr>
-        <p:spPr>
-          <a:xfrm>
-            <a:off x="15032499" y="270405"/>
-            <a:ext cx="6240792" cy="1446550"/>
-          </a:xfrm>
-          <a:prstGeom prst="rect">
-            <a:avLst/>
-          </a:prstGeom>
-          <a:noFill/>
-        </p:spPr>
-        <p:txBody>
-          <a:bodyPr wrap="square" rtlCol="0">
-            <a:spAutoFit/>
-          </a:bodyPr>
-          <a:lstStyle/>
-          <a:p>
-            <a:pPr algn="ctr"/>
-            <a:r>
-              <a:rPr lang="en-US" sz="4400" b="1" dirty="0" smtClean="0"/>
-              <a:t>Common Excitatory &amp; Independent Inhibitory</a:t>
-            </a:r>
-            <a:endParaRPr lang="en-US" sz="4400" b="1" dirty="0"/>
-          </a:p>
-        </p:txBody>
-      </p:sp>
-      <p:sp>
-        <p:nvSpPr>
-          <p:cNvPr id="11" name="TextBox 10"/>
-          <p:cNvSpPr txBox="1"/>
-          <p:nvPr/>
-        </p:nvSpPr>
-        <p:spPr>
-          <a:xfrm>
-            <a:off x="22036905" y="267827"/>
-            <a:ext cx="6240792" cy="1446550"/>
-          </a:xfrm>
-          <a:prstGeom prst="rect">
-            <a:avLst/>
-          </a:prstGeom>
-          <a:noFill/>
-        </p:spPr>
-        <p:txBody>
-          <a:bodyPr wrap="square" rtlCol="0">
-            <a:spAutoFit/>
-          </a:bodyPr>
-          <a:lstStyle/>
-          <a:p>
-            <a:pPr algn="ctr"/>
-            <a:r>
-              <a:rPr lang="en-US" sz="4400" b="1" dirty="0" smtClean="0"/>
-              <a:t>Common Excitatory &amp; Common Inhibitory</a:t>
-            </a:r>
-            <a:endParaRPr lang="en-US" sz="4400" b="1" dirty="0"/>
-          </a:p>
-        </p:txBody>
-      </p:sp>
-      <p:sp>
-        <p:nvSpPr>
-          <p:cNvPr id="16" name="TextBox 15"/>
-          <p:cNvSpPr txBox="1"/>
-          <p:nvPr/>
-        </p:nvSpPr>
-        <p:spPr>
-          <a:xfrm rot="16200000">
-            <a:off x="-2888075" y="4063937"/>
-            <a:ext cx="6240792" cy="769441"/>
-          </a:xfrm>
-          <a:prstGeom prst="rect">
-            <a:avLst/>
-          </a:prstGeom>
-          <a:noFill/>
-        </p:spPr>
-        <p:txBody>
-          <a:bodyPr wrap="square" rtlCol="0">
-            <a:spAutoFit/>
-          </a:bodyPr>
-          <a:lstStyle/>
-          <a:p>
-            <a:pPr algn="ctr"/>
-            <a:r>
-              <a:rPr lang="en-US" sz="4400" b="1" dirty="0" smtClean="0"/>
-              <a:t>SDprox1</a:t>
-            </a:r>
-            <a:endParaRPr lang="en-US" sz="4400" b="1" dirty="0"/>
-          </a:p>
-        </p:txBody>
-      </p:sp>
-      <p:sp>
-        <p:nvSpPr>
-          <p:cNvPr id="17" name="TextBox 16"/>
-          <p:cNvSpPr txBox="1"/>
-          <p:nvPr/>
-        </p:nvSpPr>
-        <p:spPr>
-          <a:xfrm rot="16200000">
-            <a:off x="-2888075" y="10629983"/>
-            <a:ext cx="6240792" cy="769441"/>
-          </a:xfrm>
-          <a:prstGeom prst="rect">
-            <a:avLst/>
-          </a:prstGeom>
-          <a:noFill/>
-        </p:spPr>
-        <p:txBody>
-          <a:bodyPr wrap="square" rtlCol="0">
-            <a:spAutoFit/>
-          </a:bodyPr>
-          <a:lstStyle/>
-          <a:p>
-            <a:pPr algn="ctr"/>
-            <a:r>
-              <a:rPr lang="en-US" sz="4400" b="1" dirty="0" smtClean="0"/>
-              <a:t>SDprox2</a:t>
-            </a:r>
-            <a:endParaRPr lang="en-US" sz="4400" b="1" dirty="0"/>
-          </a:p>
-        </p:txBody>
-      </p:sp>
+      </p:pic>
     </p:spTree>
     <p:extLst>
       <p:ext uri="{BB962C8B-B14F-4D97-AF65-F5344CB8AC3E}">
